--- a/Memoria/TFG_II_front.pptx
+++ b/Memoria/TFG_II_front.pptx
@@ -134,22 +134,6 @@
       </a:defRPr>
     </a:lvl9pPr>
   </p:defaultTextStyle>
-  <p:extLst>
-    <p:ext uri="{EFAFB233-063F-42B5-8137-9DF3F51BA10A}">
-      <p15:sldGuideLst xmlns:p15="http://schemas.microsoft.com/office/powerpoint/2012/main">
-        <p15:guide id="1" orient="horz" pos="3368">
-          <p15:clr>
-            <a:srgbClr val="A4A3A4"/>
-          </p15:clr>
-        </p15:guide>
-        <p15:guide id="2" pos="2382">
-          <p15:clr>
-            <a:srgbClr val="A4A3A4"/>
-          </p15:clr>
-        </p15:guide>
-      </p15:sldGuideLst>
-    </p:ext>
-  </p:extLst>
 </p:presentation>
 </file>
 
@@ -225,7 +209,9 @@
           <a:bodyPr lIns="99569" tIns="49785" rIns="99569" bIns="49785" anchor="ctr">
             <a:normAutofit fontScale="25000" lnSpcReduction="20000"/>
           </a:bodyPr>
-          <a:lstStyle/>
+          <a:lstStyle>
+            <a:extLst/>
+          </a:lstStyle>
           <a:p>
             <a:pPr algn="ctr" eaLnBrk="1" fontAlgn="auto" hangingPunct="1">
               <a:lnSpc>
@@ -388,6 +374,10 @@
           <a:ln>
             <a:noFill/>
           </a:ln>
+          <a:extLst>
+            <a:ext uri="{909E8E84-426E-40DD-AFC4-6F175D3DCCD1}"/>
+            <a:ext uri="{91240B29-F687-4F45-9708-019B960494DF}"/>
+          </a:extLst>
         </p:spPr>
         <p:txBody>
           <a:bodyPr lIns="99569" tIns="49785" rIns="99569" bIns="49785">
@@ -508,7 +498,7 @@
               <a:defRPr/>
             </a:pPr>
             <a:r>
-              <a:rPr lang="es-ES" sz="3100" dirty="0">
+              <a:rPr lang="es-ES" sz="3100" dirty="0" smtClean="0">
                 <a:latin typeface="Georgia" pitchFamily="18" charset="0"/>
               </a:rPr>
               <a:t>UNIVERSIDAD DE ALMERIA</a:t>
@@ -521,7 +511,7 @@
               </a:spcAft>
               <a:defRPr/>
             </a:pPr>
-            <a:endParaRPr lang="es-ES" sz="600" dirty="0">
+            <a:endParaRPr lang="es-ES" sz="600" dirty="0" smtClean="0">
               <a:latin typeface="Georgia" pitchFamily="18" charset="0"/>
             </a:endParaRPr>
           </a:p>
@@ -533,7 +523,7 @@
               <a:defRPr/>
             </a:pPr>
             <a:r>
-              <a:rPr lang="es-ES" sz="2000" dirty="0">
+              <a:rPr lang="es-ES" sz="2000" dirty="0" smtClean="0">
                 <a:latin typeface="Georgia" pitchFamily="18" charset="0"/>
               </a:rPr>
               <a:t>ESCUELA SUPERIOR DE INGENIERÍA</a:t>
@@ -563,6 +553,9 @@
           <a:ln>
             <a:noFill/>
           </a:ln>
+          <a:extLst>
+            <a:ext uri="{91240B29-F687-4F45-9708-019B960494DF}"/>
+          </a:extLst>
         </p:spPr>
         <p:txBody>
           <a:bodyPr lIns="99569" tIns="49785" rIns="99569" bIns="49785" anchor="ctr"/>
@@ -683,7 +676,7 @@
               <a:defRPr/>
             </a:pPr>
             <a:r>
-              <a:rPr lang="es-ES" sz="3300">
+              <a:rPr lang="es-ES" sz="3300" smtClean="0">
                 <a:solidFill>
                   <a:schemeClr val="bg1"/>
                 </a:solidFill>
@@ -714,6 +707,10 @@
           <a:ln>
             <a:noFill/>
           </a:ln>
+          <a:extLst>
+            <a:ext uri="{909E8E84-426E-40DD-AFC4-6F175D3DCCD1}"/>
+            <a:ext uri="{91240B29-F687-4F45-9708-019B960494DF}"/>
+          </a:extLst>
         </p:spPr>
         <p:txBody>
           <a:bodyPr lIns="99569" tIns="49785" rIns="99569" bIns="49785">
@@ -834,15 +831,24 @@
               <a:defRPr/>
             </a:pPr>
             <a:r>
-              <a:rPr lang="es-ES" sz="2200" b="1" dirty="0">
+              <a:rPr lang="es-ES" sz="2200" b="1" dirty="0" smtClean="0">
                 <a:solidFill>
                   <a:srgbClr val="632523"/>
                 </a:solidFill>
                 <a:latin typeface="Calibri" pitchFamily="34" charset="0"/>
               </a:rPr>
-              <a:t>Curso 2018/2019</a:t>
+              <a:t>Curso </a:t>
             </a:r>
-            <a:endParaRPr lang="es-ES" sz="2200" b="1" dirty="0">
+            <a:r>
+              <a:rPr lang="es-ES" sz="2200" b="1" dirty="0" smtClean="0">
+                <a:solidFill>
+                  <a:srgbClr val="632523"/>
+                </a:solidFill>
+                <a:latin typeface="Calibri" pitchFamily="34" charset="0"/>
+              </a:rPr>
+              <a:t>2018/2019</a:t>
+            </a:r>
+            <a:endParaRPr lang="es-ES" sz="2200" b="1" dirty="0" smtClean="0">
               <a:solidFill>
                 <a:srgbClr val="632523"/>
               </a:solidFill>
@@ -871,6 +877,10 @@
           <a:ln>
             <a:noFill/>
           </a:ln>
+          <a:extLst>
+            <a:ext uri="{909E8E84-426E-40DD-AFC4-6F175D3DCCD1}"/>
+            <a:ext uri="{91240B29-F687-4F45-9708-019B960494DF}"/>
+          </a:extLst>
         </p:spPr>
         <p:txBody>
           <a:bodyPr wrap="none" lIns="99569" tIns="49785" rIns="99569" bIns="49785" anchor="ctr">
@@ -987,7 +997,7 @@
             <a:pPr eaLnBrk="1" hangingPunct="1">
               <a:defRPr/>
             </a:pPr>
-            <a:endParaRPr lang="es-ES">
+            <a:endParaRPr lang="es-ES" smtClean="0">
               <a:latin typeface="Calibri" panose="020F0502020204030204" pitchFamily="34" charset="0"/>
             </a:endParaRPr>
           </a:p>
@@ -1013,6 +1023,10 @@
           <a:ln>
             <a:noFill/>
           </a:ln>
+          <a:extLst>
+            <a:ext uri="{909E8E84-426E-40DD-AFC4-6F175D3DCCD1}"/>
+            <a:ext uri="{91240B29-F687-4F45-9708-019B960494DF}"/>
+          </a:extLst>
         </p:spPr>
         <p:txBody>
           <a:bodyPr lIns="99569" tIns="49785" rIns="99569" bIns="49785">
@@ -1130,7 +1144,7 @@
               <a:defRPr/>
             </a:pPr>
             <a:r>
-              <a:rPr lang="es-ES" sz="1700" b="1" dirty="0">
+              <a:rPr lang="es-ES" sz="1700" b="1" dirty="0" smtClean="0">
                 <a:solidFill>
                   <a:srgbClr val="632523"/>
                 </a:solidFill>
@@ -1139,7 +1153,7 @@
               <a:t>Alumno/a</a:t>
             </a:r>
             <a:r>
-              <a:rPr lang="es-ES" sz="2200" b="1" dirty="0">
+              <a:rPr lang="es-ES" sz="2200" b="1" dirty="0" smtClean="0">
                 <a:solidFill>
                   <a:srgbClr val="632523"/>
                 </a:solidFill>
@@ -1170,6 +1184,10 @@
           <a:ln>
             <a:noFill/>
           </a:ln>
+          <a:extLst>
+            <a:ext uri="{909E8E84-426E-40DD-AFC4-6F175D3DCCD1}"/>
+            <a:ext uri="{91240B29-F687-4F45-9708-019B960494DF}"/>
+          </a:extLst>
         </p:spPr>
         <p:txBody>
           <a:bodyPr lIns="99569" tIns="49785" rIns="99569" bIns="49785">
@@ -1290,13 +1308,22 @@
               <a:defRPr/>
             </a:pPr>
             <a:r>
-              <a:rPr lang="es-ES" sz="1700" b="1" dirty="0">
+              <a:rPr lang="es-ES" sz="1700" b="1" dirty="0" smtClean="0">
                 <a:solidFill>
                   <a:srgbClr val="632523"/>
                 </a:solidFill>
                 <a:latin typeface="Georgia" pitchFamily="18" charset="0"/>
               </a:rPr>
-              <a:t>Director/es:</a:t>
+              <a:t>Director/es</a:t>
+            </a:r>
+            <a:r>
+              <a:rPr lang="es-ES" sz="1700" b="1" dirty="0" smtClean="0">
+                <a:solidFill>
+                  <a:srgbClr val="632523"/>
+                </a:solidFill>
+                <a:latin typeface="Georgia" pitchFamily="18" charset="0"/>
+              </a:rPr>
+              <a:t>:</a:t>
             </a:r>
           </a:p>
         </p:txBody>
@@ -1770,7 +1797,77 @@
               </a:spcAft>
               <a:defRPr/>
             </a:pPr>
-            <a:endParaRPr lang="es-ES" dirty="0"/>
+            <a:r>
+              <a:rPr lang="es-ES" dirty="0" smtClean="0">
+                <a:solidFill>
+                  <a:schemeClr val="bg2">
+                    <a:lumMod val="10000"/>
+                  </a:schemeClr>
+                </a:solidFill>
+              </a:rPr>
+              <a:t>“Título </a:t>
+            </a:r>
+            <a:r>
+              <a:rPr lang="es-ES" dirty="0">
+                <a:solidFill>
+                  <a:schemeClr val="bg2">
+                    <a:lumMod val="10000"/>
+                  </a:schemeClr>
+                </a:solidFill>
+              </a:rPr>
+              <a:t>completo del </a:t>
+            </a:r>
+            <a:r>
+              <a:rPr lang="es-ES" dirty="0" smtClean="0">
+                <a:solidFill>
+                  <a:schemeClr val="bg2">
+                    <a:lumMod val="10000"/>
+                  </a:schemeClr>
+                </a:solidFill>
+              </a:rPr>
+              <a:t>Trabajo </a:t>
+            </a:r>
+            <a:r>
+              <a:rPr lang="es-ES" dirty="0">
+                <a:solidFill>
+                  <a:schemeClr val="bg2">
+                    <a:lumMod val="10000"/>
+                  </a:schemeClr>
+                </a:solidFill>
+              </a:rPr>
+              <a:t>F</a:t>
+            </a:r>
+            <a:r>
+              <a:rPr lang="es-ES" dirty="0" smtClean="0">
+                <a:solidFill>
+                  <a:schemeClr val="bg2">
+                    <a:lumMod val="10000"/>
+                  </a:schemeClr>
+                </a:solidFill>
+              </a:rPr>
+              <a:t>in de Grado de </a:t>
+            </a:r>
+            <a:r>
+              <a:rPr lang="es-ES" dirty="0">
+                <a:solidFill>
+                  <a:schemeClr val="bg2">
+                    <a:lumMod val="10000"/>
+                  </a:schemeClr>
+                </a:solidFill>
+              </a:rPr>
+              <a:t>la Universidad de </a:t>
+            </a:r>
+            <a:r>
+              <a:rPr lang="es-ES" dirty="0" smtClean="0">
+                <a:solidFill>
+                  <a:schemeClr val="bg2">
+                    <a:lumMod val="10000"/>
+                  </a:schemeClr>
+                </a:solidFill>
+              </a:rPr>
+              <a:t>Almería”</a:t>
+            </a:r>
+            <a:endParaRPr lang="es-ES" dirty="0" smtClean="0"/>
           </a:p>
         </p:txBody>
       </p:sp>
@@ -1799,6 +1896,28 @@
             <a:pPr algn="r" eaLnBrk="1" hangingPunct="1">
               <a:defRPr/>
             </a:pPr>
+            <a:r>
+              <a:rPr lang="es-ES" sz="1700" dirty="0">
+                <a:solidFill>
+                  <a:schemeClr val="accent2">
+                    <a:lumMod val="50000"/>
+                  </a:schemeClr>
+                </a:solidFill>
+                <a:latin typeface="Georgia" pitchFamily="18" charset="0"/>
+              </a:rPr>
+              <a:t>Nombre </a:t>
+            </a:r>
+            <a:r>
+              <a:rPr lang="es-ES" sz="1700" dirty="0" smtClean="0">
+                <a:solidFill>
+                  <a:schemeClr val="accent2">
+                    <a:lumMod val="50000"/>
+                  </a:schemeClr>
+                </a:solidFill>
+                <a:latin typeface="Georgia" pitchFamily="18" charset="0"/>
+              </a:rPr>
+              <a:t>Apellido1 Apellido2</a:t>
+            </a:r>
             <a:endParaRPr lang="es-ES" sz="1700" dirty="0">
               <a:solidFill>
                 <a:schemeClr val="accent2">
@@ -1812,7 +1931,87 @@
             <a:pPr algn="r" eaLnBrk="1" hangingPunct="1">
               <a:defRPr/>
             </a:pPr>
+            <a:r>
+              <a:rPr lang="es-ES" sz="1700" dirty="0">
+                <a:solidFill>
+                  <a:schemeClr val="accent2">
+                    <a:lumMod val="50000"/>
+                  </a:schemeClr>
+                </a:solidFill>
+                <a:latin typeface="Georgia" pitchFamily="18" charset="0"/>
+              </a:rPr>
+              <a:t>Nombre </a:t>
+            </a:r>
+            <a:r>
+              <a:rPr lang="es-ES" sz="1700" dirty="0" smtClean="0">
+                <a:solidFill>
+                  <a:schemeClr val="accent2">
+                    <a:lumMod val="50000"/>
+                  </a:schemeClr>
+                </a:solidFill>
+                <a:latin typeface="Georgia" pitchFamily="18" charset="0"/>
+              </a:rPr>
+              <a:t>Apellido1 Apellido2</a:t>
+            </a:r>
             <a:endParaRPr lang="es-ES" sz="1700" dirty="0">
+              <a:solidFill>
+                <a:schemeClr val="accent2">
+                  <a:lumMod val="50000"/>
+                </a:schemeClr>
+              </a:solidFill>
+              <a:latin typeface="Georgia" pitchFamily="18" charset="0"/>
+            </a:endParaRPr>
+          </a:p>
+        </p:txBody>
+      </p:sp>
+      <p:sp>
+        <p:nvSpPr>
+          <p:cNvPr id="5" name="4 CuadroTexto"/>
+          <p:cNvSpPr txBox="1"/>
+          <p:nvPr/>
+        </p:nvSpPr>
+        <p:spPr>
+          <a:xfrm>
+            <a:off x="1836415" y="9379148"/>
+            <a:ext cx="5678810" cy="408319"/>
+          </a:xfrm>
+          <a:prstGeom prst="rect">
+            <a:avLst/>
+          </a:prstGeom>
+          <a:noFill/>
+        </p:spPr>
+        <p:txBody>
+          <a:bodyPr wrap="square" lIns="99569" tIns="49785" rIns="99569" bIns="49785">
+            <a:spAutoFit/>
+          </a:bodyPr>
+          <a:lstStyle/>
+          <a:p>
+            <a:pPr eaLnBrk="1" hangingPunct="1">
+              <a:defRPr/>
+            </a:pPr>
+            <a:r>
+              <a:rPr lang="es-ES" sz="2000" dirty="0">
+                <a:solidFill>
+                  <a:schemeClr val="accent2">
+                    <a:lumMod val="50000"/>
+                  </a:schemeClr>
+                </a:solidFill>
+                <a:latin typeface="Georgia" pitchFamily="18" charset="0"/>
+              </a:rPr>
+              <a:t>Nombre </a:t>
+            </a:r>
+            <a:r>
+              <a:rPr lang="es-ES" sz="2000" dirty="0" smtClean="0">
+                <a:solidFill>
+                  <a:schemeClr val="accent2">
+                    <a:lumMod val="50000"/>
+                  </a:schemeClr>
+                </a:solidFill>
+                <a:latin typeface="Georgia" pitchFamily="18" charset="0"/>
+              </a:rPr>
+              <a:t>Apellido1 Apellido2</a:t>
+            </a:r>
+            <a:endParaRPr lang="es-ES" sz="2000" dirty="0">
               <a:solidFill>
                 <a:schemeClr val="accent2">
                   <a:lumMod val="50000"/>
